--- a/1.設計書/ルックアップゲート/nambu_work/モデル図.pptx
+++ b/1.設計書/ルックアップゲート/nambu_work/モデル図.pptx
@@ -5,13 +5,14 @@
     <p:sldMasterId id="2147483648" r:id="rId1"/>
   </p:sldMasterIdLst>
   <p:notesMasterIdLst>
-    <p:notesMasterId r:id="rId6"/>
+    <p:notesMasterId r:id="rId7"/>
   </p:notesMasterIdLst>
   <p:sldIdLst>
     <p:sldId id="256" r:id="rId2"/>
-    <p:sldId id="259" r:id="rId3"/>
-    <p:sldId id="257" r:id="rId4"/>
-    <p:sldId id="258" r:id="rId5"/>
+    <p:sldId id="260" r:id="rId3"/>
+    <p:sldId id="259" r:id="rId4"/>
+    <p:sldId id="257" r:id="rId5"/>
+    <p:sldId id="258" r:id="rId6"/>
   </p:sldIdLst>
   <p:sldSz cx="9144000" cy="6858000" type="screen4x3"/>
   <p:notesSz cx="6858000" cy="9144000"/>
@@ -110,6 +111,22 @@
       </a:defRPr>
     </a:lvl9pPr>
   </p:defaultTextStyle>
+  <p:extLst>
+    <p:ext uri="{EFAFB233-063F-42B5-8137-9DF3F51BA10A}">
+      <p15:sldGuideLst xmlns:p15="http://schemas.microsoft.com/office/powerpoint/2012/main">
+        <p15:guide id="1" orient="horz" pos="2160">
+          <p15:clr>
+            <a:srgbClr val="A4A3A4"/>
+          </p15:clr>
+        </p15:guide>
+        <p15:guide id="2" pos="2880">
+          <p15:clr>
+            <a:srgbClr val="A4A3A4"/>
+          </p15:clr>
+        </p15:guide>
+      </p15:sldGuideLst>
+    </p:ext>
+  </p:extLst>
 </p:presentation>
 </file>
 
@@ -388,7 +405,7 @@
           <a:p>
             <a:fld id="{06EDD066-A581-41CA-ADD9-8A977B4AB87E}" type="slidenum">
               <a:rPr kumimoji="1" lang="ja-JP" altLang="en-US" smtClean="0"/>
-              <a:t>&lt;#&gt;</a:t>
+              <a:t>‹#›</a:t>
             </a:fld>
             <a:endParaRPr kumimoji="1" lang="ja-JP" altLang="en-US"/>
           </a:p>
@@ -796,7 +813,7 @@
           <a:p>
             <a:fld id="{A6AA93DE-09E5-4A4A-9D99-C57774E31152}" type="slidenum">
               <a:rPr kumimoji="1" lang="ja-JP" altLang="en-US" smtClean="0"/>
-              <a:t>&lt;#&gt;</a:t>
+              <a:t>‹#›</a:t>
             </a:fld>
             <a:endParaRPr kumimoji="1" lang="ja-JP" altLang="en-US"/>
           </a:p>
@@ -993,7 +1010,7 @@
           <a:p>
             <a:fld id="{A6AA93DE-09E5-4A4A-9D99-C57774E31152}" type="slidenum">
               <a:rPr kumimoji="1" lang="ja-JP" altLang="en-US" smtClean="0"/>
-              <a:t>&lt;#&gt;</a:t>
+              <a:t>‹#›</a:t>
             </a:fld>
             <a:endParaRPr kumimoji="1" lang="ja-JP" altLang="en-US"/>
           </a:p>
@@ -1200,7 +1217,7 @@
           <a:p>
             <a:fld id="{A6AA93DE-09E5-4A4A-9D99-C57774E31152}" type="slidenum">
               <a:rPr kumimoji="1" lang="ja-JP" altLang="en-US" smtClean="0"/>
-              <a:t>&lt;#&gt;</a:t>
+              <a:t>‹#›</a:t>
             </a:fld>
             <a:endParaRPr kumimoji="1" lang="ja-JP" altLang="en-US"/>
           </a:p>
@@ -1397,7 +1414,7 @@
           <a:p>
             <a:fld id="{A6AA93DE-09E5-4A4A-9D99-C57774E31152}" type="slidenum">
               <a:rPr kumimoji="1" lang="ja-JP" altLang="en-US" smtClean="0"/>
-              <a:t>&lt;#&gt;</a:t>
+              <a:t>‹#›</a:t>
             </a:fld>
             <a:endParaRPr kumimoji="1" lang="ja-JP" altLang="en-US"/>
           </a:p>
@@ -1638,7 +1655,7 @@
           <a:p>
             <a:fld id="{A6AA93DE-09E5-4A4A-9D99-C57774E31152}" type="slidenum">
               <a:rPr kumimoji="1" lang="ja-JP" altLang="en-US" smtClean="0"/>
-              <a:t>&lt;#&gt;</a:t>
+              <a:t>‹#›</a:t>
             </a:fld>
             <a:endParaRPr kumimoji="1" lang="ja-JP" altLang="en-US"/>
           </a:p>
@@ -1985,7 +2002,7 @@
           <a:p>
             <a:fld id="{A6AA93DE-09E5-4A4A-9D99-C57774E31152}" type="slidenum">
               <a:rPr kumimoji="1" lang="ja-JP" altLang="en-US" smtClean="0"/>
-              <a:t>&lt;#&gt;</a:t>
+              <a:t>‹#›</a:t>
             </a:fld>
             <a:endParaRPr kumimoji="1" lang="ja-JP" altLang="en-US"/>
           </a:p>
@@ -2466,7 +2483,7 @@
           <a:p>
             <a:fld id="{A6AA93DE-09E5-4A4A-9D99-C57774E31152}" type="slidenum">
               <a:rPr kumimoji="1" lang="ja-JP" altLang="en-US" smtClean="0"/>
-              <a:t>&lt;#&gt;</a:t>
+              <a:t>‹#›</a:t>
             </a:fld>
             <a:endParaRPr kumimoji="1" lang="ja-JP" altLang="en-US"/>
           </a:p>
@@ -2579,7 +2596,7 @@
           <a:p>
             <a:fld id="{A6AA93DE-09E5-4A4A-9D99-C57774E31152}" type="slidenum">
               <a:rPr kumimoji="1" lang="ja-JP" altLang="en-US" smtClean="0"/>
-              <a:t>&lt;#&gt;</a:t>
+              <a:t>‹#›</a:t>
             </a:fld>
             <a:endParaRPr kumimoji="1" lang="ja-JP" altLang="en-US"/>
           </a:p>
@@ -2669,7 +2686,7 @@
           <a:p>
             <a:fld id="{A6AA93DE-09E5-4A4A-9D99-C57774E31152}" type="slidenum">
               <a:rPr kumimoji="1" lang="ja-JP" altLang="en-US" smtClean="0"/>
-              <a:t>&lt;#&gt;</a:t>
+              <a:t>‹#›</a:t>
             </a:fld>
             <a:endParaRPr kumimoji="1" lang="ja-JP" altLang="en-US"/>
           </a:p>
@@ -2973,7 +2990,7 @@
           <a:p>
             <a:fld id="{A6AA93DE-09E5-4A4A-9D99-C57774E31152}" type="slidenum">
               <a:rPr kumimoji="1" lang="ja-JP" altLang="en-US" smtClean="0"/>
-              <a:t>&lt;#&gt;</a:t>
+              <a:t>‹#›</a:t>
             </a:fld>
             <a:endParaRPr kumimoji="1" lang="ja-JP" altLang="en-US"/>
           </a:p>
@@ -3221,7 +3238,7 @@
           <a:p>
             <a:fld id="{A6AA93DE-09E5-4A4A-9D99-C57774E31152}" type="slidenum">
               <a:rPr kumimoji="1" lang="ja-JP" altLang="en-US" smtClean="0"/>
-              <a:t>&lt;#&gt;</a:t>
+              <a:t>‹#›</a:t>
             </a:fld>
             <a:endParaRPr kumimoji="1" lang="ja-JP" altLang="en-US"/>
           </a:p>
@@ -3497,7 +3514,7 @@
           <a:p>
             <a:fld id="{A6AA93DE-09E5-4A4A-9D99-C57774E31152}" type="slidenum">
               <a:rPr kumimoji="1" lang="ja-JP" altLang="en-US" smtClean="0"/>
-              <a:t>&lt;#&gt;</a:t>
+              <a:t>‹#›</a:t>
             </a:fld>
             <a:endParaRPr kumimoji="1" lang="ja-JP" altLang="en-US"/>
           </a:p>
@@ -3797,8 +3814,8 @@
         </p:nvSpPr>
         <p:spPr>
           <a:xfrm>
-            <a:off x="3635896" y="3140968"/>
-            <a:ext cx="3960440" cy="1224136"/>
+            <a:off x="643198" y="4221088"/>
+            <a:ext cx="7529201" cy="2232248"/>
           </a:xfrm>
           <a:prstGeom prst="rect">
             <a:avLst/>
@@ -3844,7 +3861,7 @@
         <p:spPr>
           <a:xfrm>
             <a:off x="35496" y="67271"/>
-            <a:ext cx="2638864" cy="707886"/>
+            <a:ext cx="1609736" cy="707886"/>
           </a:xfrm>
           <a:prstGeom prst="rect">
             <a:avLst/>
@@ -3863,7 +3880,7 @@
             </a:r>
             <a:r>
               <a:rPr kumimoji="1" lang="ja-JP" altLang="en-US" sz="4000" b="1" dirty="0" smtClean="0"/>
-              <a:t>要求分析</a:t>
+              <a:t>要求</a:t>
             </a:r>
             <a:endParaRPr kumimoji="1" lang="ja-JP" altLang="en-US" sz="4000" b="1" dirty="0"/>
           </a:p>
@@ -3911,8 +3928,8 @@
         </p:nvSpPr>
         <p:spPr>
           <a:xfrm>
-            <a:off x="179512" y="1124744"/>
-            <a:ext cx="3937296" cy="923330"/>
+            <a:off x="179512" y="1178749"/>
+            <a:ext cx="6048451" cy="954107"/>
           </a:xfrm>
           <a:prstGeom prst="rect">
             <a:avLst/>
@@ -3926,30 +3943,14 @@
           <a:lstStyle/>
           <a:p>
             <a:r>
-              <a:rPr lang="ja-JP" altLang="en-US" dirty="0" smtClean="0">
+              <a:rPr kumimoji="1" lang="ja-JP" altLang="en-US" sz="2000" b="1" dirty="0" smtClean="0">
                 <a:solidFill>
                   <a:srgbClr val="FF0000"/>
                 </a:solidFill>
               </a:rPr>
-              <a:t>リタイア</a:t>
-            </a:r>
-            <a:r>
-              <a:rPr lang="ja-JP" altLang="en-US" dirty="0">
-                <a:solidFill>
-                  <a:srgbClr val="FF0000"/>
-                </a:solidFill>
-              </a:rPr>
-              <a:t>せずに</a:t>
-            </a:r>
-            <a:r>
-              <a:rPr lang="ja-JP" altLang="en-US" dirty="0" smtClean="0">
-                <a:solidFill>
-                  <a:srgbClr val="FF0000"/>
-                </a:solidFill>
-              </a:rPr>
-              <a:t>、階段を攻略する！</a:t>
-            </a:r>
-            <a:endParaRPr lang="en-US" altLang="ja-JP" dirty="0" smtClean="0">
+              <a:t>階段でタイムボーナスの獲得</a:t>
+            </a:r>
+            <a:endParaRPr kumimoji="1" lang="en-US" altLang="ja-JP" sz="2000" b="1" dirty="0" smtClean="0">
               <a:solidFill>
                 <a:srgbClr val="FF0000"/>
               </a:solidFill>
@@ -3958,14 +3959,14 @@
           <a:p>
             <a:r>
               <a:rPr kumimoji="1" lang="ja-JP" altLang="en-US" dirty="0" smtClean="0"/>
-              <a:t>・</a:t>
+              <a:t>・階段にぶつかる角度が悪くても差分を吸収することができる</a:t>
             </a:r>
             <a:endParaRPr kumimoji="1" lang="en-US" altLang="ja-JP" dirty="0" smtClean="0"/>
           </a:p>
           <a:p>
             <a:r>
               <a:rPr lang="ja-JP" altLang="en-US" dirty="0" smtClean="0"/>
-              <a:t>・ステータスによる条件分岐を利用する</a:t>
+              <a:t>・様々な条件で実測値を取得する</a:t>
             </a:r>
             <a:endParaRPr kumimoji="1" lang="en-US" altLang="ja-JP" dirty="0" smtClean="0"/>
           </a:p>
@@ -3979,8 +3980,8 @@
         </p:nvSpPr>
         <p:spPr>
           <a:xfrm>
-            <a:off x="5292080" y="1052736"/>
-            <a:ext cx="1733167" cy="1200329"/>
+            <a:off x="2843808" y="4281307"/>
+            <a:ext cx="1733167" cy="1477328"/>
           </a:xfrm>
           <a:prstGeom prst="rect">
             <a:avLst/>
@@ -4017,6 +4018,17 @@
             <a:r>
               <a:rPr lang="ja-JP" altLang="en-US" dirty="0" smtClean="0"/>
               <a:t>ユースケース図</a:t>
+            </a:r>
+            <a:endParaRPr lang="en-US" altLang="ja-JP" dirty="0" smtClean="0"/>
+          </a:p>
+          <a:p>
+            <a:r>
+              <a:rPr lang="ja-JP" altLang="en-US" dirty="0" smtClean="0"/>
+              <a:t>生</a:t>
+            </a:r>
+            <a:r>
+              <a:rPr lang="ja-JP" altLang="en-US" dirty="0"/>
+              <a:t>データ</a:t>
             </a:r>
             <a:endParaRPr lang="en-US" altLang="ja-JP" dirty="0" smtClean="0"/>
           </a:p>
@@ -4070,55 +4082,27 @@
           <a:lstStyle/>
           <a:p>
             <a:r>
+              <a:rPr lang="en-US" altLang="ja-JP" sz="4000" b="1" dirty="0"/>
+              <a:t>2</a:t>
+            </a:r>
+            <a:r>
               <a:rPr lang="en-US" altLang="ja-JP" sz="4000" b="1" dirty="0" smtClean="0"/>
-              <a:t>3.</a:t>
-            </a:r>
-            <a:r>
-              <a:rPr lang="ja-JP" altLang="en-US" sz="4000" b="1" dirty="0"/>
-              <a:t>制御</a:t>
+              <a:t>.</a:t>
+            </a:r>
+            <a:r>
+              <a:rPr lang="ja-JP" altLang="en-US" sz="4000" b="1" dirty="0" smtClean="0"/>
+              <a:t>分析</a:t>
             </a:r>
             <a:endParaRPr kumimoji="1" lang="ja-JP" altLang="en-US" sz="4000" b="1" dirty="0"/>
           </a:p>
         </p:txBody>
       </p:sp>
-      <p:sp>
-        <p:nvSpPr>
-          <p:cNvPr id="5" name="テキスト ボックス 4"/>
-          <p:cNvSpPr txBox="1"/>
-          <p:nvPr/>
-        </p:nvSpPr>
-        <p:spPr>
-          <a:xfrm>
-            <a:off x="5292080" y="1052736"/>
-            <a:ext cx="1718740" cy="646331"/>
-          </a:xfrm>
-          <a:prstGeom prst="rect">
-            <a:avLst/>
-          </a:prstGeom>
-          <a:noFill/>
-        </p:spPr>
-        <p:txBody>
-          <a:bodyPr wrap="none" rtlCol="0">
-            <a:spAutoFit/>
-          </a:bodyPr>
-          <a:lstStyle/>
-          <a:p>
-            <a:r>
-              <a:rPr kumimoji="1" lang="ja-JP" altLang="en-US" dirty="0" smtClean="0"/>
-              <a:t>メモ</a:t>
-            </a:r>
-            <a:endParaRPr kumimoji="1" lang="en-US" altLang="ja-JP" dirty="0" smtClean="0"/>
-          </a:p>
-          <a:p>
-            <a:r>
-              <a:rPr lang="ja-JP" altLang="en-US" dirty="0" smtClean="0"/>
-              <a:t>アクティビティ図</a:t>
-            </a:r>
-            <a:endParaRPr lang="en-US" altLang="ja-JP" dirty="0" smtClean="0"/>
-          </a:p>
-        </p:txBody>
-      </p:sp>
     </p:spTree>
+    <p:extLst>
+      <p:ext uri="{BB962C8B-B14F-4D97-AF65-F5344CB8AC3E}">
+        <p14:creationId xmlns:p14="http://schemas.microsoft.com/office/powerpoint/2010/main" val="3015807386"/>
+      </p:ext>
+    </p:extLst>
   </p:cSld>
   <p:clrMapOvr>
     <a:masterClrMapping/>
@@ -4170,6 +4154,102 @@
               <a:t>3.</a:t>
             </a:r>
             <a:r>
+              <a:rPr lang="ja-JP" altLang="en-US" sz="4000" b="1" dirty="0"/>
+              <a:t>制御</a:t>
+            </a:r>
+            <a:endParaRPr kumimoji="1" lang="ja-JP" altLang="en-US" sz="4000" b="1" dirty="0"/>
+          </a:p>
+        </p:txBody>
+      </p:sp>
+      <p:sp>
+        <p:nvSpPr>
+          <p:cNvPr id="5" name="テキスト ボックス 4"/>
+          <p:cNvSpPr txBox="1"/>
+          <p:nvPr/>
+        </p:nvSpPr>
+        <p:spPr>
+          <a:xfrm>
+            <a:off x="5292080" y="1052736"/>
+            <a:ext cx="1718740" cy="646331"/>
+          </a:xfrm>
+          <a:prstGeom prst="rect">
+            <a:avLst/>
+          </a:prstGeom>
+          <a:noFill/>
+        </p:spPr>
+        <p:txBody>
+          <a:bodyPr wrap="none" rtlCol="0">
+            <a:spAutoFit/>
+          </a:bodyPr>
+          <a:lstStyle/>
+          <a:p>
+            <a:r>
+              <a:rPr kumimoji="1" lang="ja-JP" altLang="en-US" dirty="0" smtClean="0"/>
+              <a:t>メモ</a:t>
+            </a:r>
+            <a:endParaRPr kumimoji="1" lang="en-US" altLang="ja-JP" dirty="0" smtClean="0"/>
+          </a:p>
+          <a:p>
+            <a:r>
+              <a:rPr lang="ja-JP" altLang="en-US" dirty="0" smtClean="0"/>
+              <a:t>アクティビティ図</a:t>
+            </a:r>
+            <a:endParaRPr lang="en-US" altLang="ja-JP" dirty="0" smtClean="0"/>
+          </a:p>
+        </p:txBody>
+      </p:sp>
+    </p:spTree>
+  </p:cSld>
+  <p:clrMapOvr>
+    <a:masterClrMapping/>
+  </p:clrMapOvr>
+</p:sld>
+</file>
+
+<file path=ppt/slides/slide4.xml><?xml version="1.0" encoding="utf-8"?>
+<p:sld xmlns:a="http://schemas.openxmlformats.org/drawingml/2006/main" xmlns:r="http://schemas.openxmlformats.org/officeDocument/2006/relationships" xmlns:p="http://schemas.openxmlformats.org/presentationml/2006/main">
+  <p:cSld>
+    <p:spTree>
+      <p:nvGrpSpPr>
+        <p:cNvPr id="1" name=""/>
+        <p:cNvGrpSpPr/>
+        <p:nvPr/>
+      </p:nvGrpSpPr>
+      <p:grpSpPr>
+        <a:xfrm>
+          <a:off x="0" y="0"/>
+          <a:ext cx="0" cy="0"/>
+          <a:chOff x="0" y="0"/>
+          <a:chExt cx="0" cy="0"/>
+        </a:xfrm>
+      </p:grpSpPr>
+      <p:sp>
+        <p:nvSpPr>
+          <p:cNvPr id="4" name="テキスト ボックス 3"/>
+          <p:cNvSpPr txBox="1"/>
+          <p:nvPr/>
+        </p:nvSpPr>
+        <p:spPr>
+          <a:xfrm>
+            <a:off x="35496" y="67271"/>
+            <a:ext cx="1609736" cy="707886"/>
+          </a:xfrm>
+          <a:prstGeom prst="rect">
+            <a:avLst/>
+          </a:prstGeom>
+          <a:noFill/>
+        </p:spPr>
+        <p:txBody>
+          <a:bodyPr wrap="none" rtlCol="0">
+            <a:spAutoFit/>
+          </a:bodyPr>
+          <a:lstStyle/>
+          <a:p>
+            <a:r>
+              <a:rPr lang="en-US" altLang="ja-JP" sz="4000" b="1" dirty="0" smtClean="0"/>
+              <a:t>3.</a:t>
+            </a:r>
+            <a:r>
               <a:rPr lang="ja-JP" altLang="en-US" sz="4000" b="1" dirty="0" smtClean="0"/>
               <a:t>構造</a:t>
             </a:r>
@@ -4222,7 +4302,7 @@
 </p:sld>
 </file>
 
-<file path=ppt/slides/slide4.xml><?xml version="1.0" encoding="utf-8"?>
+<file path=ppt/slides/slide5.xml><?xml version="1.0" encoding="utf-8"?>
 <p:sld xmlns:a="http://schemas.openxmlformats.org/drawingml/2006/main" xmlns:r="http://schemas.openxmlformats.org/officeDocument/2006/relationships" xmlns:p="http://schemas.openxmlformats.org/presentationml/2006/main">
   <p:cSld>
     <p:spTree>

--- a/1.設計書/ルックアップゲート/nambu_work/モデル図.pptx
+++ b/1.設計書/ルックアップゲート/nambu_work/モデル図.pptx
@@ -212,7 +212,7 @@
           <a:p>
             <a:fld id="{29C487A0-5A95-4D81-A631-AC16FCF89A89}" type="datetimeFigureOut">
               <a:rPr kumimoji="1" lang="ja-JP" altLang="en-US" smtClean="0"/>
-              <a:t>2017/7/28</a:t>
+              <a:t>2017/7/29</a:t>
             </a:fld>
             <a:endParaRPr kumimoji="1" lang="ja-JP" altLang="en-US"/>
           </a:p>
@@ -555,7 +555,7 @@
           </a:bodyPr>
           <a:lstStyle/>
           <a:p>
-            <a:endParaRPr kumimoji="1" lang="ja-JP" altLang="en-US"/>
+            <a:endParaRPr kumimoji="1" lang="ja-JP" altLang="en-US" dirty="0"/>
           </a:p>
         </p:txBody>
       </p:sp>
@@ -771,7 +771,7 @@
           <a:p>
             <a:fld id="{1D2E6C3F-95B8-4F4F-BE4E-D39D6501B06C}" type="datetimeFigureOut">
               <a:rPr kumimoji="1" lang="ja-JP" altLang="en-US" smtClean="0"/>
-              <a:t>2017/7/28</a:t>
+              <a:t>2017/7/29</a:t>
             </a:fld>
             <a:endParaRPr kumimoji="1" lang="ja-JP" altLang="en-US"/>
           </a:p>
@@ -968,7 +968,7 @@
           <a:p>
             <a:fld id="{1D2E6C3F-95B8-4F4F-BE4E-D39D6501B06C}" type="datetimeFigureOut">
               <a:rPr kumimoji="1" lang="ja-JP" altLang="en-US" smtClean="0"/>
-              <a:t>2017/7/28</a:t>
+              <a:t>2017/7/29</a:t>
             </a:fld>
             <a:endParaRPr kumimoji="1" lang="ja-JP" altLang="en-US"/>
           </a:p>
@@ -1175,7 +1175,7 @@
           <a:p>
             <a:fld id="{1D2E6C3F-95B8-4F4F-BE4E-D39D6501B06C}" type="datetimeFigureOut">
               <a:rPr kumimoji="1" lang="ja-JP" altLang="en-US" smtClean="0"/>
-              <a:t>2017/7/28</a:t>
+              <a:t>2017/7/29</a:t>
             </a:fld>
             <a:endParaRPr kumimoji="1" lang="ja-JP" altLang="en-US"/>
           </a:p>
@@ -1372,7 +1372,7 @@
           <a:p>
             <a:fld id="{1D2E6C3F-95B8-4F4F-BE4E-D39D6501B06C}" type="datetimeFigureOut">
               <a:rPr kumimoji="1" lang="ja-JP" altLang="en-US" smtClean="0"/>
-              <a:t>2017/7/28</a:t>
+              <a:t>2017/7/29</a:t>
             </a:fld>
             <a:endParaRPr kumimoji="1" lang="ja-JP" altLang="en-US"/>
           </a:p>
@@ -1613,7 +1613,7 @@
           <a:p>
             <a:fld id="{1D2E6C3F-95B8-4F4F-BE4E-D39D6501B06C}" type="datetimeFigureOut">
               <a:rPr kumimoji="1" lang="ja-JP" altLang="en-US" smtClean="0"/>
-              <a:t>2017/7/28</a:t>
+              <a:t>2017/7/29</a:t>
             </a:fld>
             <a:endParaRPr kumimoji="1" lang="ja-JP" altLang="en-US"/>
           </a:p>
@@ -1960,7 +1960,7 @@
           <a:p>
             <a:fld id="{1D2E6C3F-95B8-4F4F-BE4E-D39D6501B06C}" type="datetimeFigureOut">
               <a:rPr kumimoji="1" lang="ja-JP" altLang="en-US" smtClean="0"/>
-              <a:t>2017/7/28</a:t>
+              <a:t>2017/7/29</a:t>
             </a:fld>
             <a:endParaRPr kumimoji="1" lang="ja-JP" altLang="en-US"/>
           </a:p>
@@ -2441,7 +2441,7 @@
           <a:p>
             <a:fld id="{1D2E6C3F-95B8-4F4F-BE4E-D39D6501B06C}" type="datetimeFigureOut">
               <a:rPr kumimoji="1" lang="ja-JP" altLang="en-US" smtClean="0"/>
-              <a:t>2017/7/28</a:t>
+              <a:t>2017/7/29</a:t>
             </a:fld>
             <a:endParaRPr kumimoji="1" lang="ja-JP" altLang="en-US"/>
           </a:p>
@@ -2554,7 +2554,7 @@
           <a:p>
             <a:fld id="{1D2E6C3F-95B8-4F4F-BE4E-D39D6501B06C}" type="datetimeFigureOut">
               <a:rPr kumimoji="1" lang="ja-JP" altLang="en-US" smtClean="0"/>
-              <a:t>2017/7/28</a:t>
+              <a:t>2017/7/29</a:t>
             </a:fld>
             <a:endParaRPr kumimoji="1" lang="ja-JP" altLang="en-US"/>
           </a:p>
@@ -2644,7 +2644,7 @@
           <a:p>
             <a:fld id="{1D2E6C3F-95B8-4F4F-BE4E-D39D6501B06C}" type="datetimeFigureOut">
               <a:rPr kumimoji="1" lang="ja-JP" altLang="en-US" smtClean="0"/>
-              <a:t>2017/7/28</a:t>
+              <a:t>2017/7/29</a:t>
             </a:fld>
             <a:endParaRPr kumimoji="1" lang="ja-JP" altLang="en-US"/>
           </a:p>
@@ -2948,7 +2948,7 @@
           <a:p>
             <a:fld id="{1D2E6C3F-95B8-4F4F-BE4E-D39D6501B06C}" type="datetimeFigureOut">
               <a:rPr kumimoji="1" lang="ja-JP" altLang="en-US" smtClean="0"/>
-              <a:t>2017/7/28</a:t>
+              <a:t>2017/7/29</a:t>
             </a:fld>
             <a:endParaRPr kumimoji="1" lang="ja-JP" altLang="en-US"/>
           </a:p>
@@ -3196,7 +3196,7 @@
           <a:p>
             <a:fld id="{1D2E6C3F-95B8-4F4F-BE4E-D39D6501B06C}" type="datetimeFigureOut">
               <a:rPr kumimoji="1" lang="ja-JP" altLang="en-US" smtClean="0"/>
-              <a:t>2017/7/28</a:t>
+              <a:t>2017/7/29</a:t>
             </a:fld>
             <a:endParaRPr kumimoji="1" lang="ja-JP" altLang="en-US"/>
           </a:p>
@@ -3436,7 +3436,7 @@
           <a:p>
             <a:fld id="{1D2E6C3F-95B8-4F4F-BE4E-D39D6501B06C}" type="datetimeFigureOut">
               <a:rPr kumimoji="1" lang="ja-JP" altLang="en-US" smtClean="0"/>
-              <a:t>2017/7/28</a:t>
+              <a:t>2017/7/29</a:t>
             </a:fld>
             <a:endParaRPr kumimoji="1" lang="ja-JP" altLang="en-US"/>
           </a:p>
@@ -3814,14 +3814,14 @@
         </p:nvSpPr>
         <p:spPr>
           <a:xfrm>
-            <a:off x="643198" y="4221088"/>
-            <a:ext cx="7529201" cy="2232248"/>
+            <a:off x="179512" y="833610"/>
+            <a:ext cx="8810109" cy="981597"/>
           </a:xfrm>
           <a:prstGeom prst="rect">
             <a:avLst/>
           </a:prstGeom>
           <a:noFill/>
-          <a:ln>
+          <a:ln w="12700">
             <a:solidFill>
               <a:schemeClr val="accent6"/>
             </a:solidFill>
@@ -3894,7 +3894,7 @@
         </p:nvSpPr>
         <p:spPr>
           <a:xfrm>
-            <a:off x="107504" y="827420"/>
+            <a:off x="145351" y="796642"/>
             <a:ext cx="1042273" cy="400110"/>
           </a:xfrm>
           <a:prstGeom prst="rect">
@@ -3928,8 +3928,8 @@
         </p:nvSpPr>
         <p:spPr>
           <a:xfrm>
-            <a:off x="179512" y="1178749"/>
-            <a:ext cx="6048451" cy="954107"/>
+            <a:off x="179512" y="1075383"/>
+            <a:ext cx="3825086" cy="769441"/>
           </a:xfrm>
           <a:prstGeom prst="rect">
             <a:avLst/>
@@ -3958,17 +3958,17 @@
           </a:p>
           <a:p>
             <a:r>
-              <a:rPr kumimoji="1" lang="ja-JP" altLang="en-US" dirty="0" smtClean="0"/>
-              <a:t>・階段にぶつかる角度が悪くても差分を吸収することができる</a:t>
-            </a:r>
-            <a:endParaRPr kumimoji="1" lang="en-US" altLang="ja-JP" dirty="0" smtClean="0"/>
-          </a:p>
-          <a:p>
-            <a:r>
-              <a:rPr lang="ja-JP" altLang="en-US" dirty="0" smtClean="0"/>
-              <a:t>・様々な条件で実測値を取得する</a:t>
-            </a:r>
-            <a:endParaRPr kumimoji="1" lang="en-US" altLang="ja-JP" dirty="0" smtClean="0"/>
+              <a:rPr kumimoji="1" lang="ja-JP" altLang="en-US" sz="1200" dirty="0" smtClean="0"/>
+              <a:t>・条件分岐を使用し、ステータスによる管理をする</a:t>
+            </a:r>
+            <a:endParaRPr kumimoji="1" lang="en-US" altLang="ja-JP" sz="1200" dirty="0" smtClean="0"/>
+          </a:p>
+          <a:p>
+            <a:r>
+              <a:rPr lang="ja-JP" altLang="en-US" sz="1200" dirty="0" smtClean="0"/>
+              <a:t>・ジャイロセンサ値を実際に測定し、状態遷移に利用する</a:t>
+            </a:r>
+            <a:endParaRPr kumimoji="1" lang="en-US" altLang="ja-JP" sz="1200" dirty="0" smtClean="0"/>
           </a:p>
         </p:txBody>
       </p:sp>
@@ -3980,8 +3980,8 @@
         </p:nvSpPr>
         <p:spPr>
           <a:xfrm>
-            <a:off x="2843808" y="4281307"/>
-            <a:ext cx="1733167" cy="1477328"/>
+            <a:off x="5904956" y="120533"/>
+            <a:ext cx="1733167" cy="1200329"/>
           </a:xfrm>
           <a:prstGeom prst="rect">
             <a:avLst/>
@@ -4021,16 +4021,339 @@
             </a:r>
             <a:endParaRPr lang="en-US" altLang="ja-JP" dirty="0" smtClean="0"/>
           </a:p>
-          <a:p>
-            <a:r>
-              <a:rPr lang="ja-JP" altLang="en-US" dirty="0" smtClean="0"/>
-              <a:t>生</a:t>
-            </a:r>
-            <a:r>
-              <a:rPr lang="ja-JP" altLang="en-US" dirty="0"/>
-              <a:t>データ</a:t>
-            </a:r>
-            <a:endParaRPr lang="en-US" altLang="ja-JP" dirty="0" smtClean="0"/>
+        </p:txBody>
+      </p:sp>
+      <p:sp>
+        <p:nvSpPr>
+          <p:cNvPr id="8" name="テキスト ボックス 7"/>
+          <p:cNvSpPr txBox="1"/>
+          <p:nvPr/>
+        </p:nvSpPr>
+        <p:spPr>
+          <a:xfrm>
+            <a:off x="136446" y="1872522"/>
+            <a:ext cx="1555234" cy="400110"/>
+          </a:xfrm>
+          <a:prstGeom prst="rect">
+            <a:avLst/>
+          </a:prstGeom>
+          <a:noFill/>
+        </p:spPr>
+        <p:txBody>
+          <a:bodyPr wrap="none" rtlCol="0">
+            <a:spAutoFit/>
+          </a:bodyPr>
+          <a:lstStyle/>
+          <a:p>
+            <a:r>
+              <a:rPr kumimoji="1" lang="en-US" altLang="ja-JP" dirty="0" smtClean="0"/>
+              <a:t>1.2 </a:t>
+            </a:r>
+            <a:r>
+              <a:rPr lang="ja-JP" altLang="en-US" sz="2000" dirty="0" smtClean="0"/>
+              <a:t>機能</a:t>
+            </a:r>
+            <a:r>
+              <a:rPr lang="ja-JP" altLang="en-US" sz="2000" dirty="0"/>
+              <a:t>要求</a:t>
+            </a:r>
+            <a:endParaRPr kumimoji="1" lang="ja-JP" altLang="en-US" sz="2000" dirty="0"/>
+          </a:p>
+        </p:txBody>
+      </p:sp>
+      <p:sp>
+        <p:nvSpPr>
+          <p:cNvPr id="12" name="テキスト ボックス 11"/>
+          <p:cNvSpPr txBox="1"/>
+          <p:nvPr/>
+        </p:nvSpPr>
+        <p:spPr>
+          <a:xfrm>
+            <a:off x="107504" y="3604954"/>
+            <a:ext cx="1811714" cy="400110"/>
+          </a:xfrm>
+          <a:prstGeom prst="rect">
+            <a:avLst/>
+          </a:prstGeom>
+          <a:noFill/>
+        </p:spPr>
+        <p:txBody>
+          <a:bodyPr wrap="none" rtlCol="0">
+            <a:spAutoFit/>
+          </a:bodyPr>
+          <a:lstStyle/>
+          <a:p>
+            <a:r>
+              <a:rPr kumimoji="1" lang="en-US" altLang="ja-JP" dirty="0" smtClean="0"/>
+              <a:t>1.3 </a:t>
+            </a:r>
+            <a:r>
+              <a:rPr lang="ja-JP" altLang="en-US" sz="2000" dirty="0" smtClean="0"/>
+              <a:t>非機能要求</a:t>
+            </a:r>
+            <a:endParaRPr kumimoji="1" lang="ja-JP" altLang="en-US" sz="2000" dirty="0"/>
+          </a:p>
+        </p:txBody>
+      </p:sp>
+      <p:sp>
+        <p:nvSpPr>
+          <p:cNvPr id="13" name="正方形/長方形 12"/>
+          <p:cNvSpPr/>
+          <p:nvPr/>
+        </p:nvSpPr>
+        <p:spPr>
+          <a:xfrm>
+            <a:off x="179290" y="1928414"/>
+            <a:ext cx="8810109" cy="1284562"/>
+          </a:xfrm>
+          <a:prstGeom prst="rect">
+            <a:avLst/>
+          </a:prstGeom>
+          <a:noFill/>
+          <a:ln w="12700">
+            <a:solidFill>
+              <a:schemeClr val="accent6"/>
+            </a:solidFill>
+          </a:ln>
+        </p:spPr>
+        <p:style>
+          <a:lnRef idx="2">
+            <a:schemeClr val="accent1">
+              <a:shade val="50000"/>
+            </a:schemeClr>
+          </a:lnRef>
+          <a:fillRef idx="1">
+            <a:schemeClr val="accent1"/>
+          </a:fillRef>
+          <a:effectRef idx="0">
+            <a:schemeClr val="accent1"/>
+          </a:effectRef>
+          <a:fontRef idx="minor">
+            <a:schemeClr val="lt1"/>
+          </a:fontRef>
+        </p:style>
+        <p:txBody>
+          <a:bodyPr rtlCol="0" anchor="ctr"/>
+          <a:lstStyle/>
+          <a:p>
+            <a:pPr algn="ctr"/>
+            <a:endParaRPr kumimoji="1" lang="ja-JP" altLang="en-US"/>
+          </a:p>
+        </p:txBody>
+      </p:sp>
+      <p:sp>
+        <p:nvSpPr>
+          <p:cNvPr id="14" name="正方形/長方形 13"/>
+          <p:cNvSpPr/>
+          <p:nvPr/>
+        </p:nvSpPr>
+        <p:spPr>
+          <a:xfrm>
+            <a:off x="179290" y="3588962"/>
+            <a:ext cx="8810109" cy="1280198"/>
+          </a:xfrm>
+          <a:prstGeom prst="rect">
+            <a:avLst/>
+          </a:prstGeom>
+          <a:noFill/>
+          <a:ln w="12700">
+            <a:solidFill>
+              <a:schemeClr val="accent6"/>
+            </a:solidFill>
+          </a:ln>
+        </p:spPr>
+        <p:style>
+          <a:lnRef idx="2">
+            <a:schemeClr val="accent1">
+              <a:shade val="50000"/>
+            </a:schemeClr>
+          </a:lnRef>
+          <a:fillRef idx="1">
+            <a:schemeClr val="accent1"/>
+          </a:fillRef>
+          <a:effectRef idx="0">
+            <a:schemeClr val="accent1"/>
+          </a:effectRef>
+          <a:fontRef idx="minor">
+            <a:schemeClr val="lt1"/>
+          </a:fontRef>
+        </p:style>
+        <p:txBody>
+          <a:bodyPr rtlCol="0" anchor="ctr"/>
+          <a:lstStyle/>
+          <a:p>
+            <a:pPr algn="ctr"/>
+            <a:endParaRPr kumimoji="1" lang="ja-JP" altLang="en-US"/>
+          </a:p>
+        </p:txBody>
+      </p:sp>
+      <p:sp>
+        <p:nvSpPr>
+          <p:cNvPr id="15" name="テキスト ボックス 14"/>
+          <p:cNvSpPr txBox="1"/>
+          <p:nvPr/>
+        </p:nvSpPr>
+        <p:spPr>
+          <a:xfrm>
+            <a:off x="107504" y="4869160"/>
+            <a:ext cx="1989647" cy="400110"/>
+          </a:xfrm>
+          <a:prstGeom prst="rect">
+            <a:avLst/>
+          </a:prstGeom>
+          <a:noFill/>
+        </p:spPr>
+        <p:txBody>
+          <a:bodyPr wrap="none" rtlCol="0">
+            <a:spAutoFit/>
+          </a:bodyPr>
+          <a:lstStyle/>
+          <a:p>
+            <a:r>
+              <a:rPr kumimoji="1" lang="en-US" altLang="ja-JP" dirty="0" smtClean="0"/>
+              <a:t>1.4 </a:t>
+            </a:r>
+            <a:r>
+              <a:rPr lang="ja-JP" altLang="en-US" sz="2000" dirty="0" smtClean="0"/>
+              <a:t>ユースケース</a:t>
+            </a:r>
+            <a:endParaRPr kumimoji="1" lang="ja-JP" altLang="en-US" sz="2000" dirty="0"/>
+          </a:p>
+        </p:txBody>
+      </p:sp>
+      <p:sp>
+        <p:nvSpPr>
+          <p:cNvPr id="16" name="正方形/長方形 15"/>
+          <p:cNvSpPr/>
+          <p:nvPr/>
+        </p:nvSpPr>
+        <p:spPr>
+          <a:xfrm>
+            <a:off x="179289" y="4941168"/>
+            <a:ext cx="8810109" cy="1728192"/>
+          </a:xfrm>
+          <a:prstGeom prst="rect">
+            <a:avLst/>
+          </a:prstGeom>
+          <a:noFill/>
+          <a:ln w="12700">
+            <a:solidFill>
+              <a:schemeClr val="accent6"/>
+            </a:solidFill>
+          </a:ln>
+        </p:spPr>
+        <p:style>
+          <a:lnRef idx="2">
+            <a:schemeClr val="accent1">
+              <a:shade val="50000"/>
+            </a:schemeClr>
+          </a:lnRef>
+          <a:fillRef idx="1">
+            <a:schemeClr val="accent1"/>
+          </a:fillRef>
+          <a:effectRef idx="0">
+            <a:schemeClr val="accent1"/>
+          </a:effectRef>
+          <a:fontRef idx="minor">
+            <a:schemeClr val="lt1"/>
+          </a:fontRef>
+        </p:style>
+        <p:txBody>
+          <a:bodyPr rtlCol="0" anchor="ctr"/>
+          <a:lstStyle/>
+          <a:p>
+            <a:pPr algn="ctr"/>
+            <a:endParaRPr kumimoji="1" lang="ja-JP" altLang="en-US"/>
+          </a:p>
+        </p:txBody>
+      </p:sp>
+      <p:sp>
+        <p:nvSpPr>
+          <p:cNvPr id="2" name="テキスト ボックス 1"/>
+          <p:cNvSpPr txBox="1"/>
+          <p:nvPr/>
+        </p:nvSpPr>
+        <p:spPr>
+          <a:xfrm>
+            <a:off x="1540273" y="1999873"/>
+            <a:ext cx="3103735" cy="276999"/>
+          </a:xfrm>
+          <a:prstGeom prst="rect">
+            <a:avLst/>
+          </a:prstGeom>
+          <a:noFill/>
+        </p:spPr>
+        <p:txBody>
+          <a:bodyPr wrap="none" rtlCol="0">
+            <a:spAutoFit/>
+          </a:bodyPr>
+          <a:lstStyle/>
+          <a:p>
+            <a:r>
+              <a:rPr kumimoji="1" lang="ja-JP" altLang="en-US" sz="1200" dirty="0" smtClean="0"/>
+              <a:t>目標から機能要求（ユースケース）を抽出した</a:t>
+            </a:r>
+            <a:endParaRPr kumimoji="1" lang="ja-JP" altLang="en-US" sz="1200" dirty="0"/>
+          </a:p>
+        </p:txBody>
+      </p:sp>
+      <p:sp>
+        <p:nvSpPr>
+          <p:cNvPr id="17" name="テキスト ボックス 16"/>
+          <p:cNvSpPr txBox="1"/>
+          <p:nvPr/>
+        </p:nvSpPr>
+        <p:spPr>
+          <a:xfrm>
+            <a:off x="1763688" y="3726760"/>
+            <a:ext cx="3433953" cy="276999"/>
+          </a:xfrm>
+          <a:prstGeom prst="rect">
+            <a:avLst/>
+          </a:prstGeom>
+          <a:noFill/>
+        </p:spPr>
+        <p:txBody>
+          <a:bodyPr wrap="none" rtlCol="0">
+            <a:spAutoFit/>
+          </a:bodyPr>
+          <a:lstStyle/>
+          <a:p>
+            <a:r>
+              <a:rPr kumimoji="1" lang="ja-JP" altLang="en-US" sz="1200" dirty="0" smtClean="0"/>
+              <a:t>目標から機能要求に対する非機能要求を抽出した</a:t>
+            </a:r>
+            <a:endParaRPr kumimoji="1" lang="ja-JP" altLang="en-US" sz="1200" dirty="0"/>
+          </a:p>
+        </p:txBody>
+      </p:sp>
+      <p:sp>
+        <p:nvSpPr>
+          <p:cNvPr id="18" name="テキスト ボックス 17"/>
+          <p:cNvSpPr txBox="1"/>
+          <p:nvPr/>
+        </p:nvSpPr>
+        <p:spPr>
+          <a:xfrm>
+            <a:off x="1907704" y="4952201"/>
+            <a:ext cx="3433953" cy="276999"/>
+          </a:xfrm>
+          <a:prstGeom prst="rect">
+            <a:avLst/>
+          </a:prstGeom>
+          <a:noFill/>
+        </p:spPr>
+        <p:txBody>
+          <a:bodyPr wrap="none" rtlCol="0">
+            <a:spAutoFit/>
+          </a:bodyPr>
+          <a:lstStyle/>
+          <a:p>
+            <a:r>
+              <a:rPr kumimoji="1" lang="ja-JP" altLang="en-US" sz="1200" dirty="0" smtClean="0"/>
+              <a:t>目標から機能要求に対する非機能要求を抽出した</a:t>
+            </a:r>
+            <a:endParaRPr kumimoji="1" lang="ja-JP" altLang="en-US" sz="1200" dirty="0"/>
           </a:p>
         </p:txBody>
       </p:sp>
@@ -4094,6 +4417,43 @@
               <a:t>分析</a:t>
             </a:r>
             <a:endParaRPr kumimoji="1" lang="ja-JP" altLang="en-US" sz="4000" b="1" dirty="0"/>
+          </a:p>
+        </p:txBody>
+      </p:sp>
+      <p:sp>
+        <p:nvSpPr>
+          <p:cNvPr id="3" name="テキスト ボックス 2"/>
+          <p:cNvSpPr txBox="1"/>
+          <p:nvPr/>
+        </p:nvSpPr>
+        <p:spPr>
+          <a:xfrm>
+            <a:off x="5292080" y="1052736"/>
+            <a:ext cx="1058303" cy="646331"/>
+          </a:xfrm>
+          <a:prstGeom prst="rect">
+            <a:avLst/>
+          </a:prstGeom>
+          <a:noFill/>
+        </p:spPr>
+        <p:txBody>
+          <a:bodyPr wrap="none" rtlCol="0">
+            <a:spAutoFit/>
+          </a:bodyPr>
+          <a:lstStyle/>
+          <a:p>
+            <a:r>
+              <a:rPr kumimoji="1" lang="ja-JP" altLang="en-US" dirty="0" smtClean="0"/>
+              <a:t>メモ</a:t>
+            </a:r>
+            <a:endParaRPr kumimoji="1" lang="en-US" altLang="ja-JP" dirty="0" smtClean="0"/>
+          </a:p>
+          <a:p>
+            <a:r>
+              <a:rPr lang="ja-JP" altLang="en-US" dirty="0" smtClean="0"/>
+              <a:t>生データ</a:t>
+            </a:r>
+            <a:endParaRPr lang="en-US" altLang="ja-JP" dirty="0" smtClean="0"/>
           </a:p>
         </p:txBody>
       </p:sp>
